--- a/ppt 16-9/0626.走过的路.pptx
+++ b/ppt 16-9/0626.走过的路.pptx
@@ -5,7 +5,7 @@
     <p:sldMasterId id="2147483648" r:id="rId1"/>
   </p:sldMasterIdLst>
   <p:sldIdLst>
-    <p:sldId id="2420" r:id="rId2"/>
+    <p:sldId id="2421" r:id="rId2"/>
   </p:sldIdLst>
   <p:sldSz cx="12192000" cy="6858000"/>
   <p:notesSz cx="6858000" cy="9144000"/>
@@ -129,7 +129,7 @@
           <p:cNvPr id="2" name="标题 1">
             <a:extLst>
               <a:ext uri="{FF2B5EF4-FFF2-40B4-BE49-F238E27FC236}">
-                <a16:creationId xmlns:a16="http://schemas.microsoft.com/office/drawing/2014/main" id="{DD6A1CF1-58EF-2D91-4BAA-D41D8D7E4673}"/>
+                <a16:creationId xmlns:a16="http://schemas.microsoft.com/office/drawing/2014/main" id="{5A4AFF20-4C1E-C683-CF0C-5AA6F10B723D}"/>
               </a:ext>
             </a:extLst>
           </p:cNvPr>
@@ -166,7 +166,7 @@
           <p:cNvPr id="3" name="副标题 2">
             <a:extLst>
               <a:ext uri="{FF2B5EF4-FFF2-40B4-BE49-F238E27FC236}">
-                <a16:creationId xmlns:a16="http://schemas.microsoft.com/office/drawing/2014/main" id="{E16E9507-3092-2B00-F8B6-FF802F752CEB}"/>
+                <a16:creationId xmlns:a16="http://schemas.microsoft.com/office/drawing/2014/main" id="{16494C63-2C25-A422-7C6B-991346400F3F}"/>
               </a:ext>
             </a:extLst>
           </p:cNvPr>
@@ -236,7 +236,7 @@
           <p:cNvPr id="4" name="日期占位符 3">
             <a:extLst>
               <a:ext uri="{FF2B5EF4-FFF2-40B4-BE49-F238E27FC236}">
-                <a16:creationId xmlns:a16="http://schemas.microsoft.com/office/drawing/2014/main" id="{20BED02E-AD14-78E2-E4FF-E9FC47E35886}"/>
+                <a16:creationId xmlns:a16="http://schemas.microsoft.com/office/drawing/2014/main" id="{FA57F48B-477E-5212-8CC6-E86829CD0218}"/>
               </a:ext>
             </a:extLst>
           </p:cNvPr>
@@ -252,7 +252,7 @@
           <a:bodyPr/>
           <a:lstStyle/>
           <a:p>
-            <a:fld id="{D420ED79-5BE8-4F9A-A51B-1A6A700A4377}" type="datetimeFigureOut">
+            <a:fld id="{31655A30-22A8-48F6-B33F-5F7E13E36462}" type="datetimeFigureOut">
               <a:rPr lang="zh-CN" altLang="en-US" smtClean="0"/>
               <a:t>2024/3/10</a:t>
             </a:fld>
@@ -265,7 +265,7 @@
           <p:cNvPr id="5" name="页脚占位符 4">
             <a:extLst>
               <a:ext uri="{FF2B5EF4-FFF2-40B4-BE49-F238E27FC236}">
-                <a16:creationId xmlns:a16="http://schemas.microsoft.com/office/drawing/2014/main" id="{0F0983E1-4301-B90A-9A07-E93CFC086C6C}"/>
+                <a16:creationId xmlns:a16="http://schemas.microsoft.com/office/drawing/2014/main" id="{F841D799-9C79-A449-8C50-B7F2453D3385}"/>
               </a:ext>
             </a:extLst>
           </p:cNvPr>
@@ -290,7 +290,7 @@
           <p:cNvPr id="6" name="灯片编号占位符 5">
             <a:extLst>
               <a:ext uri="{FF2B5EF4-FFF2-40B4-BE49-F238E27FC236}">
-                <a16:creationId xmlns:a16="http://schemas.microsoft.com/office/drawing/2014/main" id="{31CC381C-EB91-C38B-8258-F7BED25DB485}"/>
+                <a16:creationId xmlns:a16="http://schemas.microsoft.com/office/drawing/2014/main" id="{8F09D776-49FD-0367-F653-9A809F97D087}"/>
               </a:ext>
             </a:extLst>
           </p:cNvPr>
@@ -306,7 +306,7 @@
           <a:bodyPr/>
           <a:lstStyle/>
           <a:p>
-            <a:fld id="{9B811DD9-1D52-47D1-9E3C-F681156722C5}" type="slidenum">
+            <a:fld id="{D7C9C5D5-F1B3-4660-9A67-DF2F4B0F8797}" type="slidenum">
               <a:rPr lang="zh-CN" altLang="en-US" smtClean="0"/>
               <a:t>‹#›</a:t>
             </a:fld>
@@ -317,7 +317,7 @@
     </p:spTree>
     <p:extLst>
       <p:ext uri="{BB962C8B-B14F-4D97-AF65-F5344CB8AC3E}">
-        <p14:creationId xmlns:p14="http://schemas.microsoft.com/office/powerpoint/2010/main" val="2870813771"/>
+        <p14:creationId xmlns:p14="http://schemas.microsoft.com/office/powerpoint/2010/main" val="841098022"/>
       </p:ext>
     </p:extLst>
   </p:cSld>
@@ -349,7 +349,7 @@
           <p:cNvPr id="2" name="标题 1">
             <a:extLst>
               <a:ext uri="{FF2B5EF4-FFF2-40B4-BE49-F238E27FC236}">
-                <a16:creationId xmlns:a16="http://schemas.microsoft.com/office/drawing/2014/main" id="{EAF67C10-C8D2-18AB-3F90-C93F8CAC75D7}"/>
+                <a16:creationId xmlns:a16="http://schemas.microsoft.com/office/drawing/2014/main" id="{C008F1BA-81A5-489C-B9A7-AAB2B9371DB4}"/>
               </a:ext>
             </a:extLst>
           </p:cNvPr>
@@ -377,7 +377,7 @@
           <p:cNvPr id="3" name="竖排文字占位符 2">
             <a:extLst>
               <a:ext uri="{FF2B5EF4-FFF2-40B4-BE49-F238E27FC236}">
-                <a16:creationId xmlns:a16="http://schemas.microsoft.com/office/drawing/2014/main" id="{C822FD1C-C7F8-6EBD-6381-E67BA221893D}"/>
+                <a16:creationId xmlns:a16="http://schemas.microsoft.com/office/drawing/2014/main" id="{7AED0E60-AD78-85AF-C80C-F70F9D7009D5}"/>
               </a:ext>
             </a:extLst>
           </p:cNvPr>
@@ -434,7 +434,7 @@
           <p:cNvPr id="4" name="日期占位符 3">
             <a:extLst>
               <a:ext uri="{FF2B5EF4-FFF2-40B4-BE49-F238E27FC236}">
-                <a16:creationId xmlns:a16="http://schemas.microsoft.com/office/drawing/2014/main" id="{9FD36362-D4B4-4CCE-8AA6-A609E9D6176D}"/>
+                <a16:creationId xmlns:a16="http://schemas.microsoft.com/office/drawing/2014/main" id="{01C0AA47-EA0F-4806-1AC4-79DF57695B67}"/>
               </a:ext>
             </a:extLst>
           </p:cNvPr>
@@ -450,7 +450,7 @@
           <a:bodyPr/>
           <a:lstStyle/>
           <a:p>
-            <a:fld id="{D420ED79-5BE8-4F9A-A51B-1A6A700A4377}" type="datetimeFigureOut">
+            <a:fld id="{31655A30-22A8-48F6-B33F-5F7E13E36462}" type="datetimeFigureOut">
               <a:rPr lang="zh-CN" altLang="en-US" smtClean="0"/>
               <a:t>2024/3/10</a:t>
             </a:fld>
@@ -463,7 +463,7 @@
           <p:cNvPr id="5" name="页脚占位符 4">
             <a:extLst>
               <a:ext uri="{FF2B5EF4-FFF2-40B4-BE49-F238E27FC236}">
-                <a16:creationId xmlns:a16="http://schemas.microsoft.com/office/drawing/2014/main" id="{78C2C54D-F276-72B7-56D0-E93664794629}"/>
+                <a16:creationId xmlns:a16="http://schemas.microsoft.com/office/drawing/2014/main" id="{F4147ECA-4D64-AB08-3CC4-587F9F6546CF}"/>
               </a:ext>
             </a:extLst>
           </p:cNvPr>
@@ -488,7 +488,7 @@
           <p:cNvPr id="6" name="灯片编号占位符 5">
             <a:extLst>
               <a:ext uri="{FF2B5EF4-FFF2-40B4-BE49-F238E27FC236}">
-                <a16:creationId xmlns:a16="http://schemas.microsoft.com/office/drawing/2014/main" id="{F3A8C21B-D2AB-1ACA-A804-F8D7D733A1A8}"/>
+                <a16:creationId xmlns:a16="http://schemas.microsoft.com/office/drawing/2014/main" id="{F2B45CF3-C129-9477-85CE-00B3E1463146}"/>
               </a:ext>
             </a:extLst>
           </p:cNvPr>
@@ -504,7 +504,7 @@
           <a:bodyPr/>
           <a:lstStyle/>
           <a:p>
-            <a:fld id="{9B811DD9-1D52-47D1-9E3C-F681156722C5}" type="slidenum">
+            <a:fld id="{D7C9C5D5-F1B3-4660-9A67-DF2F4B0F8797}" type="slidenum">
               <a:rPr lang="zh-CN" altLang="en-US" smtClean="0"/>
               <a:t>‹#›</a:t>
             </a:fld>
@@ -515,7 +515,7 @@
     </p:spTree>
     <p:extLst>
       <p:ext uri="{BB962C8B-B14F-4D97-AF65-F5344CB8AC3E}">
-        <p14:creationId xmlns:p14="http://schemas.microsoft.com/office/powerpoint/2010/main" val="856894418"/>
+        <p14:creationId xmlns:p14="http://schemas.microsoft.com/office/powerpoint/2010/main" val="3788326640"/>
       </p:ext>
     </p:extLst>
   </p:cSld>
@@ -547,7 +547,7 @@
           <p:cNvPr id="2" name="竖排标题 1">
             <a:extLst>
               <a:ext uri="{FF2B5EF4-FFF2-40B4-BE49-F238E27FC236}">
-                <a16:creationId xmlns:a16="http://schemas.microsoft.com/office/drawing/2014/main" id="{0DB32055-734F-ED87-B257-0B63FE5E9134}"/>
+                <a16:creationId xmlns:a16="http://schemas.microsoft.com/office/drawing/2014/main" id="{DFF93003-F644-B41F-86C3-1BDB30CFC98F}"/>
               </a:ext>
             </a:extLst>
           </p:cNvPr>
@@ -580,7 +580,7 @@
           <p:cNvPr id="3" name="竖排文字占位符 2">
             <a:extLst>
               <a:ext uri="{FF2B5EF4-FFF2-40B4-BE49-F238E27FC236}">
-                <a16:creationId xmlns:a16="http://schemas.microsoft.com/office/drawing/2014/main" id="{7C2EF632-1F14-AEAD-B0E5-BF6E463E7A87}"/>
+                <a16:creationId xmlns:a16="http://schemas.microsoft.com/office/drawing/2014/main" id="{352DE483-8E9C-3530-8525-97EF5B5328E3}"/>
               </a:ext>
             </a:extLst>
           </p:cNvPr>
@@ -642,7 +642,7 @@
           <p:cNvPr id="4" name="日期占位符 3">
             <a:extLst>
               <a:ext uri="{FF2B5EF4-FFF2-40B4-BE49-F238E27FC236}">
-                <a16:creationId xmlns:a16="http://schemas.microsoft.com/office/drawing/2014/main" id="{454CC07C-138C-2288-E7C3-847C85D3CCC6}"/>
+                <a16:creationId xmlns:a16="http://schemas.microsoft.com/office/drawing/2014/main" id="{C4D29A47-34D3-B737-51B7-27BD41F34C8D}"/>
               </a:ext>
             </a:extLst>
           </p:cNvPr>
@@ -658,7 +658,7 @@
           <a:bodyPr/>
           <a:lstStyle/>
           <a:p>
-            <a:fld id="{D420ED79-5BE8-4F9A-A51B-1A6A700A4377}" type="datetimeFigureOut">
+            <a:fld id="{31655A30-22A8-48F6-B33F-5F7E13E36462}" type="datetimeFigureOut">
               <a:rPr lang="zh-CN" altLang="en-US" smtClean="0"/>
               <a:t>2024/3/10</a:t>
             </a:fld>
@@ -671,7 +671,7 @@
           <p:cNvPr id="5" name="页脚占位符 4">
             <a:extLst>
               <a:ext uri="{FF2B5EF4-FFF2-40B4-BE49-F238E27FC236}">
-                <a16:creationId xmlns:a16="http://schemas.microsoft.com/office/drawing/2014/main" id="{439B83F7-8985-676E-638C-E86E24B0BCC5}"/>
+                <a16:creationId xmlns:a16="http://schemas.microsoft.com/office/drawing/2014/main" id="{B4EE673C-8682-C6A0-BEAE-4857B6B3E207}"/>
               </a:ext>
             </a:extLst>
           </p:cNvPr>
@@ -696,7 +696,7 @@
           <p:cNvPr id="6" name="灯片编号占位符 5">
             <a:extLst>
               <a:ext uri="{FF2B5EF4-FFF2-40B4-BE49-F238E27FC236}">
-                <a16:creationId xmlns:a16="http://schemas.microsoft.com/office/drawing/2014/main" id="{ABAC093E-A7D0-9BBB-0530-CB663FD7A5B2}"/>
+                <a16:creationId xmlns:a16="http://schemas.microsoft.com/office/drawing/2014/main" id="{2DE9A146-62EA-F418-A458-9054444D5E58}"/>
               </a:ext>
             </a:extLst>
           </p:cNvPr>
@@ -712,7 +712,7 @@
           <a:bodyPr/>
           <a:lstStyle/>
           <a:p>
-            <a:fld id="{9B811DD9-1D52-47D1-9E3C-F681156722C5}" type="slidenum">
+            <a:fld id="{D7C9C5D5-F1B3-4660-9A67-DF2F4B0F8797}" type="slidenum">
               <a:rPr lang="zh-CN" altLang="en-US" smtClean="0"/>
               <a:t>‹#›</a:t>
             </a:fld>
@@ -723,7 +723,7 @@
     </p:spTree>
     <p:extLst>
       <p:ext uri="{BB962C8B-B14F-4D97-AF65-F5344CB8AC3E}">
-        <p14:creationId xmlns:p14="http://schemas.microsoft.com/office/powerpoint/2010/main" val="1360497793"/>
+        <p14:creationId xmlns:p14="http://schemas.microsoft.com/office/powerpoint/2010/main" val="3767693768"/>
       </p:ext>
     </p:extLst>
   </p:cSld>
@@ -755,7 +755,7 @@
           <p:cNvPr id="2" name="标题 1">
             <a:extLst>
               <a:ext uri="{FF2B5EF4-FFF2-40B4-BE49-F238E27FC236}">
-                <a16:creationId xmlns:a16="http://schemas.microsoft.com/office/drawing/2014/main" id="{EEC62103-A626-839A-BDDD-4DADDF410163}"/>
+                <a16:creationId xmlns:a16="http://schemas.microsoft.com/office/drawing/2014/main" id="{E0E3A047-DDF3-A774-DEF1-A2C799855FC7}"/>
               </a:ext>
             </a:extLst>
           </p:cNvPr>
@@ -783,7 +783,7 @@
           <p:cNvPr id="3" name="内容占位符 2">
             <a:extLst>
               <a:ext uri="{FF2B5EF4-FFF2-40B4-BE49-F238E27FC236}">
-                <a16:creationId xmlns:a16="http://schemas.microsoft.com/office/drawing/2014/main" id="{1EE96529-C221-C34A-AA4F-8EECAC695BAB}"/>
+                <a16:creationId xmlns:a16="http://schemas.microsoft.com/office/drawing/2014/main" id="{7575022C-8D80-4BFE-FD5E-E15AE3A1DA9F}"/>
               </a:ext>
             </a:extLst>
           </p:cNvPr>
@@ -840,7 +840,7 @@
           <p:cNvPr id="4" name="日期占位符 3">
             <a:extLst>
               <a:ext uri="{FF2B5EF4-FFF2-40B4-BE49-F238E27FC236}">
-                <a16:creationId xmlns:a16="http://schemas.microsoft.com/office/drawing/2014/main" id="{001A7921-D571-9809-C947-CE81FB8BC686}"/>
+                <a16:creationId xmlns:a16="http://schemas.microsoft.com/office/drawing/2014/main" id="{DE3A8828-8737-7D0A-73F8-61A13A40067C}"/>
               </a:ext>
             </a:extLst>
           </p:cNvPr>
@@ -856,7 +856,7 @@
           <a:bodyPr/>
           <a:lstStyle/>
           <a:p>
-            <a:fld id="{D420ED79-5BE8-4F9A-A51B-1A6A700A4377}" type="datetimeFigureOut">
+            <a:fld id="{31655A30-22A8-48F6-B33F-5F7E13E36462}" type="datetimeFigureOut">
               <a:rPr lang="zh-CN" altLang="en-US" smtClean="0"/>
               <a:t>2024/3/10</a:t>
             </a:fld>
@@ -869,7 +869,7 @@
           <p:cNvPr id="5" name="页脚占位符 4">
             <a:extLst>
               <a:ext uri="{FF2B5EF4-FFF2-40B4-BE49-F238E27FC236}">
-                <a16:creationId xmlns:a16="http://schemas.microsoft.com/office/drawing/2014/main" id="{946F6BA4-674A-F243-72C6-195926C7185D}"/>
+                <a16:creationId xmlns:a16="http://schemas.microsoft.com/office/drawing/2014/main" id="{60E626C2-1C88-953F-9684-5614E688F4F1}"/>
               </a:ext>
             </a:extLst>
           </p:cNvPr>
@@ -894,7 +894,7 @@
           <p:cNvPr id="6" name="灯片编号占位符 5">
             <a:extLst>
               <a:ext uri="{FF2B5EF4-FFF2-40B4-BE49-F238E27FC236}">
-                <a16:creationId xmlns:a16="http://schemas.microsoft.com/office/drawing/2014/main" id="{74031A39-E0A9-CF66-9A26-871EF1D5E29A}"/>
+                <a16:creationId xmlns:a16="http://schemas.microsoft.com/office/drawing/2014/main" id="{DE48EE04-65BF-5C59-DDC2-30662B43372E}"/>
               </a:ext>
             </a:extLst>
           </p:cNvPr>
@@ -910,7 +910,7 @@
           <a:bodyPr/>
           <a:lstStyle/>
           <a:p>
-            <a:fld id="{9B811DD9-1D52-47D1-9E3C-F681156722C5}" type="slidenum">
+            <a:fld id="{D7C9C5D5-F1B3-4660-9A67-DF2F4B0F8797}" type="slidenum">
               <a:rPr lang="zh-CN" altLang="en-US" smtClean="0"/>
               <a:t>‹#›</a:t>
             </a:fld>
@@ -921,7 +921,7 @@
     </p:spTree>
     <p:extLst>
       <p:ext uri="{BB962C8B-B14F-4D97-AF65-F5344CB8AC3E}">
-        <p14:creationId xmlns:p14="http://schemas.microsoft.com/office/powerpoint/2010/main" val="922077081"/>
+        <p14:creationId xmlns:p14="http://schemas.microsoft.com/office/powerpoint/2010/main" val="3460077351"/>
       </p:ext>
     </p:extLst>
   </p:cSld>
@@ -953,7 +953,7 @@
           <p:cNvPr id="2" name="标题 1">
             <a:extLst>
               <a:ext uri="{FF2B5EF4-FFF2-40B4-BE49-F238E27FC236}">
-                <a16:creationId xmlns:a16="http://schemas.microsoft.com/office/drawing/2014/main" id="{BB358D90-0040-512D-8417-9C30771429F2}"/>
+                <a16:creationId xmlns:a16="http://schemas.microsoft.com/office/drawing/2014/main" id="{7D348DCE-149F-21E0-F825-C8866FE8AE17}"/>
               </a:ext>
             </a:extLst>
           </p:cNvPr>
@@ -990,7 +990,7 @@
           <p:cNvPr id="3" name="文本占位符 2">
             <a:extLst>
               <a:ext uri="{FF2B5EF4-FFF2-40B4-BE49-F238E27FC236}">
-                <a16:creationId xmlns:a16="http://schemas.microsoft.com/office/drawing/2014/main" id="{3058F383-2227-9F80-E537-B51EF7534344}"/>
+                <a16:creationId xmlns:a16="http://schemas.microsoft.com/office/drawing/2014/main" id="{3753DC80-26F3-0A18-EDA4-C6AAB94EF210}"/>
               </a:ext>
             </a:extLst>
           </p:cNvPr>
@@ -1115,7 +1115,7 @@
           <p:cNvPr id="4" name="日期占位符 3">
             <a:extLst>
               <a:ext uri="{FF2B5EF4-FFF2-40B4-BE49-F238E27FC236}">
-                <a16:creationId xmlns:a16="http://schemas.microsoft.com/office/drawing/2014/main" id="{F7B29083-FF2D-FD60-2C06-AF5C880A1A79}"/>
+                <a16:creationId xmlns:a16="http://schemas.microsoft.com/office/drawing/2014/main" id="{A7DD43E6-23DE-5ED0-F6D3-480826E3C7A0}"/>
               </a:ext>
             </a:extLst>
           </p:cNvPr>
@@ -1131,7 +1131,7 @@
           <a:bodyPr/>
           <a:lstStyle/>
           <a:p>
-            <a:fld id="{D420ED79-5BE8-4F9A-A51B-1A6A700A4377}" type="datetimeFigureOut">
+            <a:fld id="{31655A30-22A8-48F6-B33F-5F7E13E36462}" type="datetimeFigureOut">
               <a:rPr lang="zh-CN" altLang="en-US" smtClean="0"/>
               <a:t>2024/3/10</a:t>
             </a:fld>
@@ -1144,7 +1144,7 @@
           <p:cNvPr id="5" name="页脚占位符 4">
             <a:extLst>
               <a:ext uri="{FF2B5EF4-FFF2-40B4-BE49-F238E27FC236}">
-                <a16:creationId xmlns:a16="http://schemas.microsoft.com/office/drawing/2014/main" id="{8390E3B6-C06B-B4BD-1451-4505BF08C442}"/>
+                <a16:creationId xmlns:a16="http://schemas.microsoft.com/office/drawing/2014/main" id="{44898422-1077-75EC-B310-35996823D9F5}"/>
               </a:ext>
             </a:extLst>
           </p:cNvPr>
@@ -1169,7 +1169,7 @@
           <p:cNvPr id="6" name="灯片编号占位符 5">
             <a:extLst>
               <a:ext uri="{FF2B5EF4-FFF2-40B4-BE49-F238E27FC236}">
-                <a16:creationId xmlns:a16="http://schemas.microsoft.com/office/drawing/2014/main" id="{D156B6A8-5937-510A-6628-7D35C9340849}"/>
+                <a16:creationId xmlns:a16="http://schemas.microsoft.com/office/drawing/2014/main" id="{20524A57-9163-A09D-6492-F04EA5128DDB}"/>
               </a:ext>
             </a:extLst>
           </p:cNvPr>
@@ -1185,7 +1185,7 @@
           <a:bodyPr/>
           <a:lstStyle/>
           <a:p>
-            <a:fld id="{9B811DD9-1D52-47D1-9E3C-F681156722C5}" type="slidenum">
+            <a:fld id="{D7C9C5D5-F1B3-4660-9A67-DF2F4B0F8797}" type="slidenum">
               <a:rPr lang="zh-CN" altLang="en-US" smtClean="0"/>
               <a:t>‹#›</a:t>
             </a:fld>
@@ -1196,7 +1196,7 @@
     </p:spTree>
     <p:extLst>
       <p:ext uri="{BB962C8B-B14F-4D97-AF65-F5344CB8AC3E}">
-        <p14:creationId xmlns:p14="http://schemas.microsoft.com/office/powerpoint/2010/main" val="779011683"/>
+        <p14:creationId xmlns:p14="http://schemas.microsoft.com/office/powerpoint/2010/main" val="3010758682"/>
       </p:ext>
     </p:extLst>
   </p:cSld>
@@ -1228,7 +1228,7 @@
           <p:cNvPr id="2" name="标题 1">
             <a:extLst>
               <a:ext uri="{FF2B5EF4-FFF2-40B4-BE49-F238E27FC236}">
-                <a16:creationId xmlns:a16="http://schemas.microsoft.com/office/drawing/2014/main" id="{EE018B8B-23B0-5361-1926-42779EC9124F}"/>
+                <a16:creationId xmlns:a16="http://schemas.microsoft.com/office/drawing/2014/main" id="{CA343E6C-8708-0274-8130-B76FFD786B7D}"/>
               </a:ext>
             </a:extLst>
           </p:cNvPr>
@@ -1256,7 +1256,7 @@
           <p:cNvPr id="3" name="内容占位符 2">
             <a:extLst>
               <a:ext uri="{FF2B5EF4-FFF2-40B4-BE49-F238E27FC236}">
-                <a16:creationId xmlns:a16="http://schemas.microsoft.com/office/drawing/2014/main" id="{0A403549-B05E-E109-D5FD-7541BCE12740}"/>
+                <a16:creationId xmlns:a16="http://schemas.microsoft.com/office/drawing/2014/main" id="{9CAD0316-6DD9-3B35-6158-D4F4ABC40C3B}"/>
               </a:ext>
             </a:extLst>
           </p:cNvPr>
@@ -1318,7 +1318,7 @@
           <p:cNvPr id="4" name="内容占位符 3">
             <a:extLst>
               <a:ext uri="{FF2B5EF4-FFF2-40B4-BE49-F238E27FC236}">
-                <a16:creationId xmlns:a16="http://schemas.microsoft.com/office/drawing/2014/main" id="{13C4FA7F-AF57-7C85-089B-214378E98F1C}"/>
+                <a16:creationId xmlns:a16="http://schemas.microsoft.com/office/drawing/2014/main" id="{3D02EB38-B68A-4A29-1D9D-B4C885070E80}"/>
               </a:ext>
             </a:extLst>
           </p:cNvPr>
@@ -1380,7 +1380,7 @@
           <p:cNvPr id="5" name="日期占位符 4">
             <a:extLst>
               <a:ext uri="{FF2B5EF4-FFF2-40B4-BE49-F238E27FC236}">
-                <a16:creationId xmlns:a16="http://schemas.microsoft.com/office/drawing/2014/main" id="{BBD46261-C9CC-E1B6-7972-31B5A29813D9}"/>
+                <a16:creationId xmlns:a16="http://schemas.microsoft.com/office/drawing/2014/main" id="{6E91454F-025D-D2DE-A482-245DEBABFD9E}"/>
               </a:ext>
             </a:extLst>
           </p:cNvPr>
@@ -1396,7 +1396,7 @@
           <a:bodyPr/>
           <a:lstStyle/>
           <a:p>
-            <a:fld id="{D420ED79-5BE8-4F9A-A51B-1A6A700A4377}" type="datetimeFigureOut">
+            <a:fld id="{31655A30-22A8-48F6-B33F-5F7E13E36462}" type="datetimeFigureOut">
               <a:rPr lang="zh-CN" altLang="en-US" smtClean="0"/>
               <a:t>2024/3/10</a:t>
             </a:fld>
@@ -1409,7 +1409,7 @@
           <p:cNvPr id="6" name="页脚占位符 5">
             <a:extLst>
               <a:ext uri="{FF2B5EF4-FFF2-40B4-BE49-F238E27FC236}">
-                <a16:creationId xmlns:a16="http://schemas.microsoft.com/office/drawing/2014/main" id="{01CCD955-ED7D-5107-CC3C-F1B078879C19}"/>
+                <a16:creationId xmlns:a16="http://schemas.microsoft.com/office/drawing/2014/main" id="{2F3E509E-379A-FD65-71F8-A252978920B5}"/>
               </a:ext>
             </a:extLst>
           </p:cNvPr>
@@ -1434,7 +1434,7 @@
           <p:cNvPr id="7" name="灯片编号占位符 6">
             <a:extLst>
               <a:ext uri="{FF2B5EF4-FFF2-40B4-BE49-F238E27FC236}">
-                <a16:creationId xmlns:a16="http://schemas.microsoft.com/office/drawing/2014/main" id="{AF24E5FA-2878-FB38-3C88-CEFC8015160C}"/>
+                <a16:creationId xmlns:a16="http://schemas.microsoft.com/office/drawing/2014/main" id="{A202DEDA-1C15-AF35-5AD9-26907F26C1C6}"/>
               </a:ext>
             </a:extLst>
           </p:cNvPr>
@@ -1450,7 +1450,7 @@
           <a:bodyPr/>
           <a:lstStyle/>
           <a:p>
-            <a:fld id="{9B811DD9-1D52-47D1-9E3C-F681156722C5}" type="slidenum">
+            <a:fld id="{D7C9C5D5-F1B3-4660-9A67-DF2F4B0F8797}" type="slidenum">
               <a:rPr lang="zh-CN" altLang="en-US" smtClean="0"/>
               <a:t>‹#›</a:t>
             </a:fld>
@@ -1461,7 +1461,7 @@
     </p:spTree>
     <p:extLst>
       <p:ext uri="{BB962C8B-B14F-4D97-AF65-F5344CB8AC3E}">
-        <p14:creationId xmlns:p14="http://schemas.microsoft.com/office/powerpoint/2010/main" val="2219964137"/>
+        <p14:creationId xmlns:p14="http://schemas.microsoft.com/office/powerpoint/2010/main" val="415928437"/>
       </p:ext>
     </p:extLst>
   </p:cSld>
@@ -1493,7 +1493,7 @@
           <p:cNvPr id="2" name="标题 1">
             <a:extLst>
               <a:ext uri="{FF2B5EF4-FFF2-40B4-BE49-F238E27FC236}">
-                <a16:creationId xmlns:a16="http://schemas.microsoft.com/office/drawing/2014/main" id="{7F957E87-01AB-11B7-8B5E-AEF9C80B67F5}"/>
+                <a16:creationId xmlns:a16="http://schemas.microsoft.com/office/drawing/2014/main" id="{C032F7FA-09AC-3C40-91CA-D81EB6E71564}"/>
               </a:ext>
             </a:extLst>
           </p:cNvPr>
@@ -1526,7 +1526,7 @@
           <p:cNvPr id="3" name="文本占位符 2">
             <a:extLst>
               <a:ext uri="{FF2B5EF4-FFF2-40B4-BE49-F238E27FC236}">
-                <a16:creationId xmlns:a16="http://schemas.microsoft.com/office/drawing/2014/main" id="{2C123DEC-C11C-18A6-1B6F-86B555289BB3}"/>
+                <a16:creationId xmlns:a16="http://schemas.microsoft.com/office/drawing/2014/main" id="{0F9F592E-139A-FD67-4E91-368F81C61510}"/>
               </a:ext>
             </a:extLst>
           </p:cNvPr>
@@ -1597,7 +1597,7 @@
           <p:cNvPr id="4" name="内容占位符 3">
             <a:extLst>
               <a:ext uri="{FF2B5EF4-FFF2-40B4-BE49-F238E27FC236}">
-                <a16:creationId xmlns:a16="http://schemas.microsoft.com/office/drawing/2014/main" id="{B4F9B29B-D0BA-CC1B-E0AF-E89AD96B3828}"/>
+                <a16:creationId xmlns:a16="http://schemas.microsoft.com/office/drawing/2014/main" id="{AB6F5E7E-808C-554B-B874-3DE33F5E117A}"/>
               </a:ext>
             </a:extLst>
           </p:cNvPr>
@@ -1659,7 +1659,7 @@
           <p:cNvPr id="5" name="文本占位符 4">
             <a:extLst>
               <a:ext uri="{FF2B5EF4-FFF2-40B4-BE49-F238E27FC236}">
-                <a16:creationId xmlns:a16="http://schemas.microsoft.com/office/drawing/2014/main" id="{28DC6E70-0E2A-7492-0D9F-383FD9C91259}"/>
+                <a16:creationId xmlns:a16="http://schemas.microsoft.com/office/drawing/2014/main" id="{0B73AC55-7767-1353-C5D2-CFA9587298F0}"/>
               </a:ext>
             </a:extLst>
           </p:cNvPr>
@@ -1730,7 +1730,7 @@
           <p:cNvPr id="6" name="内容占位符 5">
             <a:extLst>
               <a:ext uri="{FF2B5EF4-FFF2-40B4-BE49-F238E27FC236}">
-                <a16:creationId xmlns:a16="http://schemas.microsoft.com/office/drawing/2014/main" id="{6CE6E918-C43E-F54A-BB5A-FFC2B4AAD5AC}"/>
+                <a16:creationId xmlns:a16="http://schemas.microsoft.com/office/drawing/2014/main" id="{B31D8F5D-4F74-3F20-03F5-1DFE7736B7F3}"/>
               </a:ext>
             </a:extLst>
           </p:cNvPr>
@@ -1792,7 +1792,7 @@
           <p:cNvPr id="7" name="日期占位符 6">
             <a:extLst>
               <a:ext uri="{FF2B5EF4-FFF2-40B4-BE49-F238E27FC236}">
-                <a16:creationId xmlns:a16="http://schemas.microsoft.com/office/drawing/2014/main" id="{09265E1E-A1A0-A183-F590-1C872AA37A2E}"/>
+                <a16:creationId xmlns:a16="http://schemas.microsoft.com/office/drawing/2014/main" id="{815E8CC4-5A9C-6ADF-A47A-E84FEB1BF531}"/>
               </a:ext>
             </a:extLst>
           </p:cNvPr>
@@ -1808,7 +1808,7 @@
           <a:bodyPr/>
           <a:lstStyle/>
           <a:p>
-            <a:fld id="{D420ED79-5BE8-4F9A-A51B-1A6A700A4377}" type="datetimeFigureOut">
+            <a:fld id="{31655A30-22A8-48F6-B33F-5F7E13E36462}" type="datetimeFigureOut">
               <a:rPr lang="zh-CN" altLang="en-US" smtClean="0"/>
               <a:t>2024/3/10</a:t>
             </a:fld>
@@ -1821,7 +1821,7 @@
           <p:cNvPr id="8" name="页脚占位符 7">
             <a:extLst>
               <a:ext uri="{FF2B5EF4-FFF2-40B4-BE49-F238E27FC236}">
-                <a16:creationId xmlns:a16="http://schemas.microsoft.com/office/drawing/2014/main" id="{32F94991-24AD-892C-39C5-7F1691CB1E4A}"/>
+                <a16:creationId xmlns:a16="http://schemas.microsoft.com/office/drawing/2014/main" id="{196B06E4-65D5-BCD3-C857-BCA6F35F5768}"/>
               </a:ext>
             </a:extLst>
           </p:cNvPr>
@@ -1846,7 +1846,7 @@
           <p:cNvPr id="9" name="灯片编号占位符 8">
             <a:extLst>
               <a:ext uri="{FF2B5EF4-FFF2-40B4-BE49-F238E27FC236}">
-                <a16:creationId xmlns:a16="http://schemas.microsoft.com/office/drawing/2014/main" id="{2BF971BE-F514-F6AB-53F4-3F9C42FF94DA}"/>
+                <a16:creationId xmlns:a16="http://schemas.microsoft.com/office/drawing/2014/main" id="{AF8FCFEA-1DB4-B1A7-4FFE-8D0D8E793F59}"/>
               </a:ext>
             </a:extLst>
           </p:cNvPr>
@@ -1862,7 +1862,7 @@
           <a:bodyPr/>
           <a:lstStyle/>
           <a:p>
-            <a:fld id="{9B811DD9-1D52-47D1-9E3C-F681156722C5}" type="slidenum">
+            <a:fld id="{D7C9C5D5-F1B3-4660-9A67-DF2F4B0F8797}" type="slidenum">
               <a:rPr lang="zh-CN" altLang="en-US" smtClean="0"/>
               <a:t>‹#›</a:t>
             </a:fld>
@@ -1873,7 +1873,7 @@
     </p:spTree>
     <p:extLst>
       <p:ext uri="{BB962C8B-B14F-4D97-AF65-F5344CB8AC3E}">
-        <p14:creationId xmlns:p14="http://schemas.microsoft.com/office/powerpoint/2010/main" val="187181892"/>
+        <p14:creationId xmlns:p14="http://schemas.microsoft.com/office/powerpoint/2010/main" val="1486163723"/>
       </p:ext>
     </p:extLst>
   </p:cSld>
@@ -1905,7 +1905,7 @@
           <p:cNvPr id="2" name="标题 1">
             <a:extLst>
               <a:ext uri="{FF2B5EF4-FFF2-40B4-BE49-F238E27FC236}">
-                <a16:creationId xmlns:a16="http://schemas.microsoft.com/office/drawing/2014/main" id="{058CC53E-F55D-799D-7B67-2A09B351477C}"/>
+                <a16:creationId xmlns:a16="http://schemas.microsoft.com/office/drawing/2014/main" id="{CAA53DCC-3353-4DE5-A4D0-DCEE9C9106A7}"/>
               </a:ext>
             </a:extLst>
           </p:cNvPr>
@@ -1933,7 +1933,7 @@
           <p:cNvPr id="3" name="日期占位符 2">
             <a:extLst>
               <a:ext uri="{FF2B5EF4-FFF2-40B4-BE49-F238E27FC236}">
-                <a16:creationId xmlns:a16="http://schemas.microsoft.com/office/drawing/2014/main" id="{D1C6B55D-0476-EAA6-FC11-812423CE18B5}"/>
+                <a16:creationId xmlns:a16="http://schemas.microsoft.com/office/drawing/2014/main" id="{59F2E5EB-03F3-F926-6917-E2AE74DB29C4}"/>
               </a:ext>
             </a:extLst>
           </p:cNvPr>
@@ -1949,7 +1949,7 @@
           <a:bodyPr/>
           <a:lstStyle/>
           <a:p>
-            <a:fld id="{D420ED79-5BE8-4F9A-A51B-1A6A700A4377}" type="datetimeFigureOut">
+            <a:fld id="{31655A30-22A8-48F6-B33F-5F7E13E36462}" type="datetimeFigureOut">
               <a:rPr lang="zh-CN" altLang="en-US" smtClean="0"/>
               <a:t>2024/3/10</a:t>
             </a:fld>
@@ -1962,7 +1962,7 @@
           <p:cNvPr id="4" name="页脚占位符 3">
             <a:extLst>
               <a:ext uri="{FF2B5EF4-FFF2-40B4-BE49-F238E27FC236}">
-                <a16:creationId xmlns:a16="http://schemas.microsoft.com/office/drawing/2014/main" id="{D8B37527-D1F2-97B0-170C-C4E5D35CE529}"/>
+                <a16:creationId xmlns:a16="http://schemas.microsoft.com/office/drawing/2014/main" id="{39B3BD53-3DA4-616F-81E1-746C46700743}"/>
               </a:ext>
             </a:extLst>
           </p:cNvPr>
@@ -1987,7 +1987,7 @@
           <p:cNvPr id="5" name="灯片编号占位符 4">
             <a:extLst>
               <a:ext uri="{FF2B5EF4-FFF2-40B4-BE49-F238E27FC236}">
-                <a16:creationId xmlns:a16="http://schemas.microsoft.com/office/drawing/2014/main" id="{4F491D77-ACA2-CC0B-9D8B-A8A2C07A8924}"/>
+                <a16:creationId xmlns:a16="http://schemas.microsoft.com/office/drawing/2014/main" id="{01664F26-4124-0839-8084-C78960A1B14A}"/>
               </a:ext>
             </a:extLst>
           </p:cNvPr>
@@ -2003,7 +2003,7 @@
           <a:bodyPr/>
           <a:lstStyle/>
           <a:p>
-            <a:fld id="{9B811DD9-1D52-47D1-9E3C-F681156722C5}" type="slidenum">
+            <a:fld id="{D7C9C5D5-F1B3-4660-9A67-DF2F4B0F8797}" type="slidenum">
               <a:rPr lang="zh-CN" altLang="en-US" smtClean="0"/>
               <a:t>‹#›</a:t>
             </a:fld>
@@ -2014,7 +2014,7 @@
     </p:spTree>
     <p:extLst>
       <p:ext uri="{BB962C8B-B14F-4D97-AF65-F5344CB8AC3E}">
-        <p14:creationId xmlns:p14="http://schemas.microsoft.com/office/powerpoint/2010/main" val="1374253933"/>
+        <p14:creationId xmlns:p14="http://schemas.microsoft.com/office/powerpoint/2010/main" val="2326551288"/>
       </p:ext>
     </p:extLst>
   </p:cSld>
@@ -2046,7 +2046,7 @@
           <p:cNvPr id="2" name="日期占位符 1">
             <a:extLst>
               <a:ext uri="{FF2B5EF4-FFF2-40B4-BE49-F238E27FC236}">
-                <a16:creationId xmlns:a16="http://schemas.microsoft.com/office/drawing/2014/main" id="{A76DB452-749E-8F25-F19C-8C20767849B7}"/>
+                <a16:creationId xmlns:a16="http://schemas.microsoft.com/office/drawing/2014/main" id="{13437459-A7A3-03F3-7C7A-546BCCA8926C}"/>
               </a:ext>
             </a:extLst>
           </p:cNvPr>
@@ -2062,7 +2062,7 @@
           <a:bodyPr/>
           <a:lstStyle/>
           <a:p>
-            <a:fld id="{D420ED79-5BE8-4F9A-A51B-1A6A700A4377}" type="datetimeFigureOut">
+            <a:fld id="{31655A30-22A8-48F6-B33F-5F7E13E36462}" type="datetimeFigureOut">
               <a:rPr lang="zh-CN" altLang="en-US" smtClean="0"/>
               <a:t>2024/3/10</a:t>
             </a:fld>
@@ -2075,7 +2075,7 @@
           <p:cNvPr id="3" name="页脚占位符 2">
             <a:extLst>
               <a:ext uri="{FF2B5EF4-FFF2-40B4-BE49-F238E27FC236}">
-                <a16:creationId xmlns:a16="http://schemas.microsoft.com/office/drawing/2014/main" id="{23AD88CD-6C99-35AE-007A-4B55A71038FA}"/>
+                <a16:creationId xmlns:a16="http://schemas.microsoft.com/office/drawing/2014/main" id="{C162BCBA-E571-E89D-0597-9B080A6491EB}"/>
               </a:ext>
             </a:extLst>
           </p:cNvPr>
@@ -2100,7 +2100,7 @@
           <p:cNvPr id="4" name="灯片编号占位符 3">
             <a:extLst>
               <a:ext uri="{FF2B5EF4-FFF2-40B4-BE49-F238E27FC236}">
-                <a16:creationId xmlns:a16="http://schemas.microsoft.com/office/drawing/2014/main" id="{D001310C-6EA9-FC2A-7D4C-B5B18A0CA4D1}"/>
+                <a16:creationId xmlns:a16="http://schemas.microsoft.com/office/drawing/2014/main" id="{C2E0CB95-B21F-3286-91B3-E5E311D417EB}"/>
               </a:ext>
             </a:extLst>
           </p:cNvPr>
@@ -2116,7 +2116,7 @@
           <a:bodyPr/>
           <a:lstStyle/>
           <a:p>
-            <a:fld id="{9B811DD9-1D52-47D1-9E3C-F681156722C5}" type="slidenum">
+            <a:fld id="{D7C9C5D5-F1B3-4660-9A67-DF2F4B0F8797}" type="slidenum">
               <a:rPr lang="zh-CN" altLang="en-US" smtClean="0"/>
               <a:t>‹#›</a:t>
             </a:fld>
@@ -2127,7 +2127,7 @@
     </p:spTree>
     <p:extLst>
       <p:ext uri="{BB962C8B-B14F-4D97-AF65-F5344CB8AC3E}">
-        <p14:creationId xmlns:p14="http://schemas.microsoft.com/office/powerpoint/2010/main" val="1923952008"/>
+        <p14:creationId xmlns:p14="http://schemas.microsoft.com/office/powerpoint/2010/main" val="3243204013"/>
       </p:ext>
     </p:extLst>
   </p:cSld>
@@ -2159,7 +2159,7 @@
           <p:cNvPr id="2" name="标题 1">
             <a:extLst>
               <a:ext uri="{FF2B5EF4-FFF2-40B4-BE49-F238E27FC236}">
-                <a16:creationId xmlns:a16="http://schemas.microsoft.com/office/drawing/2014/main" id="{230C96E2-43AD-1412-6053-6C926B1D58E1}"/>
+                <a16:creationId xmlns:a16="http://schemas.microsoft.com/office/drawing/2014/main" id="{636722C7-D807-F0B0-6D11-CECE08E867E2}"/>
               </a:ext>
             </a:extLst>
           </p:cNvPr>
@@ -2196,7 +2196,7 @@
           <p:cNvPr id="3" name="内容占位符 2">
             <a:extLst>
               <a:ext uri="{FF2B5EF4-FFF2-40B4-BE49-F238E27FC236}">
-                <a16:creationId xmlns:a16="http://schemas.microsoft.com/office/drawing/2014/main" id="{0EEADFB1-1306-3FEE-0310-646B9A7F573C}"/>
+                <a16:creationId xmlns:a16="http://schemas.microsoft.com/office/drawing/2014/main" id="{53C40F66-2C9F-48D8-5013-E000DB70FE07}"/>
               </a:ext>
             </a:extLst>
           </p:cNvPr>
@@ -2286,7 +2286,7 @@
           <p:cNvPr id="4" name="文本占位符 3">
             <a:extLst>
               <a:ext uri="{FF2B5EF4-FFF2-40B4-BE49-F238E27FC236}">
-                <a16:creationId xmlns:a16="http://schemas.microsoft.com/office/drawing/2014/main" id="{13CF1271-3B37-4813-C195-8C3DC3B08A00}"/>
+                <a16:creationId xmlns:a16="http://schemas.microsoft.com/office/drawing/2014/main" id="{1BA81A96-7149-5424-969C-2B740B9AC3AD}"/>
               </a:ext>
             </a:extLst>
           </p:cNvPr>
@@ -2357,7 +2357,7 @@
           <p:cNvPr id="5" name="日期占位符 4">
             <a:extLst>
               <a:ext uri="{FF2B5EF4-FFF2-40B4-BE49-F238E27FC236}">
-                <a16:creationId xmlns:a16="http://schemas.microsoft.com/office/drawing/2014/main" id="{F81D2A61-6389-AE26-6225-4DA5DBB3B552}"/>
+                <a16:creationId xmlns:a16="http://schemas.microsoft.com/office/drawing/2014/main" id="{C9C84E77-A68C-BA31-61EE-8168520CCAB0}"/>
               </a:ext>
             </a:extLst>
           </p:cNvPr>
@@ -2373,7 +2373,7 @@
           <a:bodyPr/>
           <a:lstStyle/>
           <a:p>
-            <a:fld id="{D420ED79-5BE8-4F9A-A51B-1A6A700A4377}" type="datetimeFigureOut">
+            <a:fld id="{31655A30-22A8-48F6-B33F-5F7E13E36462}" type="datetimeFigureOut">
               <a:rPr lang="zh-CN" altLang="en-US" smtClean="0"/>
               <a:t>2024/3/10</a:t>
             </a:fld>
@@ -2386,7 +2386,7 @@
           <p:cNvPr id="6" name="页脚占位符 5">
             <a:extLst>
               <a:ext uri="{FF2B5EF4-FFF2-40B4-BE49-F238E27FC236}">
-                <a16:creationId xmlns:a16="http://schemas.microsoft.com/office/drawing/2014/main" id="{09838051-D80B-B5A8-1C35-E94494AFA04A}"/>
+                <a16:creationId xmlns:a16="http://schemas.microsoft.com/office/drawing/2014/main" id="{F3B72B7D-1E66-F55D-CC8D-E8ECFE424CF6}"/>
               </a:ext>
             </a:extLst>
           </p:cNvPr>
@@ -2411,7 +2411,7 @@
           <p:cNvPr id="7" name="灯片编号占位符 6">
             <a:extLst>
               <a:ext uri="{FF2B5EF4-FFF2-40B4-BE49-F238E27FC236}">
-                <a16:creationId xmlns:a16="http://schemas.microsoft.com/office/drawing/2014/main" id="{2463E511-DB34-3173-FA91-4E24F0A4A148}"/>
+                <a16:creationId xmlns:a16="http://schemas.microsoft.com/office/drawing/2014/main" id="{3332F7FC-4A9D-F36C-D33F-57A623CF4CF6}"/>
               </a:ext>
             </a:extLst>
           </p:cNvPr>
@@ -2427,7 +2427,7 @@
           <a:bodyPr/>
           <a:lstStyle/>
           <a:p>
-            <a:fld id="{9B811DD9-1D52-47D1-9E3C-F681156722C5}" type="slidenum">
+            <a:fld id="{D7C9C5D5-F1B3-4660-9A67-DF2F4B0F8797}" type="slidenum">
               <a:rPr lang="zh-CN" altLang="en-US" smtClean="0"/>
               <a:t>‹#›</a:t>
             </a:fld>
@@ -2438,7 +2438,7 @@
     </p:spTree>
     <p:extLst>
       <p:ext uri="{BB962C8B-B14F-4D97-AF65-F5344CB8AC3E}">
-        <p14:creationId xmlns:p14="http://schemas.microsoft.com/office/powerpoint/2010/main" val="3035080243"/>
+        <p14:creationId xmlns:p14="http://schemas.microsoft.com/office/powerpoint/2010/main" val="3878252106"/>
       </p:ext>
     </p:extLst>
   </p:cSld>
@@ -2470,7 +2470,7 @@
           <p:cNvPr id="2" name="标题 1">
             <a:extLst>
               <a:ext uri="{FF2B5EF4-FFF2-40B4-BE49-F238E27FC236}">
-                <a16:creationId xmlns:a16="http://schemas.microsoft.com/office/drawing/2014/main" id="{70EDA0C5-7F3A-82C6-5FEF-E52A2E6C1570}"/>
+                <a16:creationId xmlns:a16="http://schemas.microsoft.com/office/drawing/2014/main" id="{E6DB76CC-82CA-34A2-FEBA-B3CE6723BE11}"/>
               </a:ext>
             </a:extLst>
           </p:cNvPr>
@@ -2507,7 +2507,7 @@
           <p:cNvPr id="3" name="图片占位符 2">
             <a:extLst>
               <a:ext uri="{FF2B5EF4-FFF2-40B4-BE49-F238E27FC236}">
-                <a16:creationId xmlns:a16="http://schemas.microsoft.com/office/drawing/2014/main" id="{03C33B57-DB08-367C-0C92-F580A22EC6BE}"/>
+                <a16:creationId xmlns:a16="http://schemas.microsoft.com/office/drawing/2014/main" id="{60B1C176-D14C-D418-D217-145AF8D3535B}"/>
               </a:ext>
             </a:extLst>
           </p:cNvPr>
@@ -2574,7 +2574,7 @@
           <p:cNvPr id="4" name="文本占位符 3">
             <a:extLst>
               <a:ext uri="{FF2B5EF4-FFF2-40B4-BE49-F238E27FC236}">
-                <a16:creationId xmlns:a16="http://schemas.microsoft.com/office/drawing/2014/main" id="{79E5DEE1-542F-D485-2A28-C0CFD9FA5E74}"/>
+                <a16:creationId xmlns:a16="http://schemas.microsoft.com/office/drawing/2014/main" id="{748CE5E6-CB50-D8B4-274A-2DBA29413E34}"/>
               </a:ext>
             </a:extLst>
           </p:cNvPr>
@@ -2645,7 +2645,7 @@
           <p:cNvPr id="5" name="日期占位符 4">
             <a:extLst>
               <a:ext uri="{FF2B5EF4-FFF2-40B4-BE49-F238E27FC236}">
-                <a16:creationId xmlns:a16="http://schemas.microsoft.com/office/drawing/2014/main" id="{7BA8DCB2-4F5B-F4D0-0683-609984D319E8}"/>
+                <a16:creationId xmlns:a16="http://schemas.microsoft.com/office/drawing/2014/main" id="{17F14D3A-6EBC-63E4-2F56-63B5DA084DF1}"/>
               </a:ext>
             </a:extLst>
           </p:cNvPr>
@@ -2661,7 +2661,7 @@
           <a:bodyPr/>
           <a:lstStyle/>
           <a:p>
-            <a:fld id="{D420ED79-5BE8-4F9A-A51B-1A6A700A4377}" type="datetimeFigureOut">
+            <a:fld id="{31655A30-22A8-48F6-B33F-5F7E13E36462}" type="datetimeFigureOut">
               <a:rPr lang="zh-CN" altLang="en-US" smtClean="0"/>
               <a:t>2024/3/10</a:t>
             </a:fld>
@@ -2674,7 +2674,7 @@
           <p:cNvPr id="6" name="页脚占位符 5">
             <a:extLst>
               <a:ext uri="{FF2B5EF4-FFF2-40B4-BE49-F238E27FC236}">
-                <a16:creationId xmlns:a16="http://schemas.microsoft.com/office/drawing/2014/main" id="{6DBBE9AC-133C-2D43-289E-9D07D36682C4}"/>
+                <a16:creationId xmlns:a16="http://schemas.microsoft.com/office/drawing/2014/main" id="{DAF278DE-1A84-43AE-0E17-035511CF0A5D}"/>
               </a:ext>
             </a:extLst>
           </p:cNvPr>
@@ -2699,7 +2699,7 @@
           <p:cNvPr id="7" name="灯片编号占位符 6">
             <a:extLst>
               <a:ext uri="{FF2B5EF4-FFF2-40B4-BE49-F238E27FC236}">
-                <a16:creationId xmlns:a16="http://schemas.microsoft.com/office/drawing/2014/main" id="{13832E2B-ED13-A884-E8AA-7A8FD0E0C5B7}"/>
+                <a16:creationId xmlns:a16="http://schemas.microsoft.com/office/drawing/2014/main" id="{73F22EA4-DED0-D4B3-33DD-85323BBAB3A4}"/>
               </a:ext>
             </a:extLst>
           </p:cNvPr>
@@ -2715,7 +2715,7 @@
           <a:bodyPr/>
           <a:lstStyle/>
           <a:p>
-            <a:fld id="{9B811DD9-1D52-47D1-9E3C-F681156722C5}" type="slidenum">
+            <a:fld id="{D7C9C5D5-F1B3-4660-9A67-DF2F4B0F8797}" type="slidenum">
               <a:rPr lang="zh-CN" altLang="en-US" smtClean="0"/>
               <a:t>‹#›</a:t>
             </a:fld>
@@ -2726,7 +2726,7 @@
     </p:spTree>
     <p:extLst>
       <p:ext uri="{BB962C8B-B14F-4D97-AF65-F5344CB8AC3E}">
-        <p14:creationId xmlns:p14="http://schemas.microsoft.com/office/powerpoint/2010/main" val="1686623022"/>
+        <p14:creationId xmlns:p14="http://schemas.microsoft.com/office/powerpoint/2010/main" val="1222003418"/>
       </p:ext>
     </p:extLst>
   </p:cSld>
@@ -2763,7 +2763,7 @@
           <p:cNvPr id="2" name="标题占位符 1">
             <a:extLst>
               <a:ext uri="{FF2B5EF4-FFF2-40B4-BE49-F238E27FC236}">
-                <a16:creationId xmlns:a16="http://schemas.microsoft.com/office/drawing/2014/main" id="{6DAD45EE-7EF1-7DC0-B893-2E1D8EEAC965}"/>
+                <a16:creationId xmlns:a16="http://schemas.microsoft.com/office/drawing/2014/main" id="{DA29991E-B7EF-D675-6A30-89A83231418E}"/>
               </a:ext>
             </a:extLst>
           </p:cNvPr>
@@ -2801,7 +2801,7 @@
           <p:cNvPr id="3" name="文本占位符 2">
             <a:extLst>
               <a:ext uri="{FF2B5EF4-FFF2-40B4-BE49-F238E27FC236}">
-                <a16:creationId xmlns:a16="http://schemas.microsoft.com/office/drawing/2014/main" id="{DC3F331C-8687-BF38-6560-C47DF4CED5A6}"/>
+                <a16:creationId xmlns:a16="http://schemas.microsoft.com/office/drawing/2014/main" id="{228D7DEE-1B61-EF04-F80E-39D201A33D37}"/>
               </a:ext>
             </a:extLst>
           </p:cNvPr>
@@ -2868,7 +2868,7 @@
           <p:cNvPr id="4" name="日期占位符 3">
             <a:extLst>
               <a:ext uri="{FF2B5EF4-FFF2-40B4-BE49-F238E27FC236}">
-                <a16:creationId xmlns:a16="http://schemas.microsoft.com/office/drawing/2014/main" id="{408B390D-96B0-5371-809C-01A20CC4BCD5}"/>
+                <a16:creationId xmlns:a16="http://schemas.microsoft.com/office/drawing/2014/main" id="{0C2921C2-36A9-F4A5-2D12-5CD6A38907F5}"/>
               </a:ext>
             </a:extLst>
           </p:cNvPr>
@@ -2902,7 +2902,7 @@
             </a:lvl1pPr>
           </a:lstStyle>
           <a:p>
-            <a:fld id="{D420ED79-5BE8-4F9A-A51B-1A6A700A4377}" type="datetimeFigureOut">
+            <a:fld id="{31655A30-22A8-48F6-B33F-5F7E13E36462}" type="datetimeFigureOut">
               <a:rPr lang="zh-CN" altLang="en-US" smtClean="0"/>
               <a:t>2024/3/10</a:t>
             </a:fld>
@@ -2915,7 +2915,7 @@
           <p:cNvPr id="5" name="页脚占位符 4">
             <a:extLst>
               <a:ext uri="{FF2B5EF4-FFF2-40B4-BE49-F238E27FC236}">
-                <a16:creationId xmlns:a16="http://schemas.microsoft.com/office/drawing/2014/main" id="{296C9AB9-D73F-6EAE-A460-91B570BCA6C0}"/>
+                <a16:creationId xmlns:a16="http://schemas.microsoft.com/office/drawing/2014/main" id="{384DC44C-2FB6-C265-64D1-966B0CEBC5D5}"/>
               </a:ext>
             </a:extLst>
           </p:cNvPr>
@@ -2958,7 +2958,7 @@
           <p:cNvPr id="6" name="灯片编号占位符 5">
             <a:extLst>
               <a:ext uri="{FF2B5EF4-FFF2-40B4-BE49-F238E27FC236}">
-                <a16:creationId xmlns:a16="http://schemas.microsoft.com/office/drawing/2014/main" id="{ED4CC7B1-98D3-9906-05A4-71AFCFE3D7FA}"/>
+                <a16:creationId xmlns:a16="http://schemas.microsoft.com/office/drawing/2014/main" id="{A8FB272F-9159-FF1E-D19F-67E48A2487DF}"/>
               </a:ext>
             </a:extLst>
           </p:cNvPr>
@@ -2992,7 +2992,7 @@
             </a:lvl1pPr>
           </a:lstStyle>
           <a:p>
-            <a:fld id="{9B811DD9-1D52-47D1-9E3C-F681156722C5}" type="slidenum">
+            <a:fld id="{D7C9C5D5-F1B3-4660-9A67-DF2F4B0F8797}" type="slidenum">
               <a:rPr lang="zh-CN" altLang="en-US" smtClean="0"/>
               <a:t>‹#›</a:t>
             </a:fld>
@@ -3003,7 +3003,7 @@
     </p:spTree>
     <p:extLst>
       <p:ext uri="{BB962C8B-B14F-4D97-AF65-F5344CB8AC3E}">
-        <p14:creationId xmlns:p14="http://schemas.microsoft.com/office/powerpoint/2010/main" val="3541230257"/>
+        <p14:creationId xmlns:p14="http://schemas.microsoft.com/office/powerpoint/2010/main" val="1306933332"/>
       </p:ext>
     </p:extLst>
   </p:cSld>
@@ -3323,7 +3323,7 @@
       </p:grpSpPr>
       <p:pic>
         <p:nvPicPr>
-          <p:cNvPr id="641026" name="Picture 2" descr="625"/>
+          <p:cNvPr id="642050" name="Picture 2" descr="626"/>
           <p:cNvPicPr>
             <a:picLocks noChangeAspect="1" noChangeArrowheads="1"/>
           </p:cNvPicPr>
@@ -3375,11 +3375,158 @@
           </a:extLst>
         </p:spPr>
       </p:pic>
+      <p:pic>
+        <p:nvPicPr>
+          <p:cNvPr id="643075" name="Picture 3" descr="626-2"/>
+          <p:cNvPicPr>
+            <a:picLocks noChangeAspect="1" noChangeArrowheads="1"/>
+          </p:cNvPicPr>
+          <p:nvPr/>
+        </p:nvPicPr>
+        <p:blipFill>
+          <a:blip r:embed="rId3">
+            <a:extLst>
+              <a:ext uri="{28A0092B-C50C-407E-A947-70E740481C1C}">
+                <a14:useLocalDpi xmlns:a14="http://schemas.microsoft.com/office/drawing/2010/main" val="0"/>
+              </a:ext>
+            </a:extLst>
+          </a:blip>
+          <a:srcRect/>
+          <a:stretch>
+            <a:fillRect/>
+          </a:stretch>
+        </p:blipFill>
+        <p:spPr bwMode="auto">
+          <a:xfrm>
+            <a:off x="1560513" y="0"/>
+            <a:ext cx="9144000" cy="6858000"/>
+          </a:xfrm>
+          <a:prstGeom prst="rect">
+            <a:avLst/>
+          </a:prstGeom>
+          <a:noFill/>
+          <a:ln>
+            <a:noFill/>
+          </a:ln>
+          <a:effectLst/>
+          <a:extLst>
+            <a:ext uri="{909E8E84-426E-40DD-AFC4-6F175D3DCCD1}">
+              <a14:hiddenFill xmlns:a14="http://schemas.microsoft.com/office/drawing/2010/main">
+                <a:solidFill>
+                  <a:srgbClr val="FFFFFF"/>
+                </a:solidFill>
+              </a14:hiddenFill>
+            </a:ext>
+            <a:ext uri="{91240B29-F687-4F45-9708-019B960494DF}">
+              <a14:hiddenLine xmlns:a14="http://schemas.microsoft.com/office/drawing/2010/main" w="9525">
+                <a:solidFill>
+                  <a:srgbClr val="000000"/>
+                </a:solidFill>
+                <a:miter lim="800000"/>
+                <a:headEnd/>
+                <a:tailEnd/>
+              </a14:hiddenLine>
+            </a:ext>
+            <a:ext uri="{AF507438-7753-43E0-B8FC-AC1667EBCBE1}">
+              <a14:hiddenEffects xmlns:a14="http://schemas.microsoft.com/office/drawing/2010/main">
+                <a:effectLst>
+                  <a:outerShdw dist="35921" dir="2700000" algn="ctr" rotWithShape="0">
+                    <a:srgbClr val="808080"/>
+                  </a:outerShdw>
+                </a:effectLst>
+              </a14:hiddenEffects>
+            </a:ext>
+          </a:extLst>
+        </p:spPr>
+      </p:pic>
     </p:spTree>
   </p:cSld>
   <p:clrMapOvr>
     <a:masterClrMapping/>
   </p:clrMapOvr>
+  <p:timing>
+    <p:tnLst>
+      <p:par>
+        <p:cTn id="1" dur="indefinite" restart="never" nodeType="tmRoot">
+          <p:childTnLst>
+            <p:seq concurrent="1" nextAc="seek">
+              <p:cTn id="2" dur="indefinite" nodeType="mainSeq">
+                <p:childTnLst>
+                  <p:par>
+                    <p:cTn id="3" fill="hold" nodeType="clickPar">
+                      <p:stCondLst>
+                        <p:cond delay="indefinite"/>
+                      </p:stCondLst>
+                      <p:childTnLst>
+                        <p:par>
+                          <p:cTn id="4" fill="hold" nodeType="withGroup">
+                            <p:stCondLst>
+                              <p:cond delay="0"/>
+                            </p:stCondLst>
+                            <p:childTnLst>
+                              <p:par>
+                                <p:cTn id="5" presetID="10" presetClass="entr" presetSubtype="0" fill="hold" nodeType="clickEffect">
+                                  <p:stCondLst>
+                                    <p:cond delay="0"/>
+                                  </p:stCondLst>
+                                  <p:childTnLst>
+                                    <p:set>
+                                      <p:cBhvr>
+                                        <p:cTn id="6" dur="1" fill="hold">
+                                          <p:stCondLst>
+                                            <p:cond delay="0"/>
+                                          </p:stCondLst>
+                                        </p:cTn>
+                                        <p:tgtEl>
+                                          <p:spTgt spid="643075"/>
+                                        </p:tgtEl>
+                                        <p:attrNameLst>
+                                          <p:attrName>style.visibility</p:attrName>
+                                        </p:attrNameLst>
+                                      </p:cBhvr>
+                                      <p:to>
+                                        <p:strVal val="visible"/>
+                                      </p:to>
+                                    </p:set>
+                                    <p:animEffect transition="in" filter="fade">
+                                      <p:cBhvr>
+                                        <p:cTn id="7" dur="500"/>
+                                        <p:tgtEl>
+                                          <p:spTgt spid="643075"/>
+                                        </p:tgtEl>
+                                      </p:cBhvr>
+                                    </p:animEffect>
+                                  </p:childTnLst>
+                                </p:cTn>
+                              </p:par>
+                            </p:childTnLst>
+                          </p:cTn>
+                        </p:par>
+                      </p:childTnLst>
+                    </p:cTn>
+                  </p:par>
+                </p:childTnLst>
+              </p:cTn>
+              <p:prevCondLst>
+                <p:cond evt="onPrev" delay="0">
+                  <p:tgtEl>
+                    <p:sldTgt/>
+                  </p:tgtEl>
+                </p:cond>
+              </p:prevCondLst>
+              <p:nextCondLst>
+                <p:cond evt="onNext" delay="0">
+                  <p:tgtEl>
+                    <p:sldTgt/>
+                  </p:tgtEl>
+                </p:cond>
+              </p:nextCondLst>
+            </p:seq>
+          </p:childTnLst>
+        </p:cTn>
+      </p:par>
+    </p:tnLst>
+  </p:timing>
 </p:sld>
 </file>
 
